--- a/draft-gandhi-mpls-rfc6374-sr-05.pptx
+++ b/draft-gandhi-mpls-rfc6374-sr-05.pptx
@@ -5799,20 +5799,17 @@
           <a:bodyPr/>
           <a:lstStyle/>
           <a:p>
-            <a:pPr>
-              <a:defRPr/>
-            </a:pPr>
-            <a:r>
-              <a:rPr lang="en-US" altLang="zh-CN" dirty="0"/>
+            <a:r>
+              <a:rPr lang="en-CA" dirty="0"/>
               <a:t>108</a:t>
             </a:r>
             <a:r>
-              <a:rPr lang="en-US" altLang="zh-CN" baseline="30000" dirty="0"/>
+              <a:rPr lang="en-CA" baseline="30000" dirty="0"/>
               <a:t>th</a:t>
             </a:r>
             <a:r>
-              <a:rPr lang="en-US" altLang="zh-CN" dirty="0"/>
-              <a:t> IETF @ Madrid</a:t>
+              <a:rPr lang="en-CA" dirty="0"/>
+              <a:t> IETF Online</a:t>
             </a:r>
           </a:p>
         </p:txBody>
@@ -5924,20 +5921,17 @@
           <a:bodyPr/>
           <a:lstStyle/>
           <a:p>
-            <a:pPr>
-              <a:defRPr/>
-            </a:pPr>
-            <a:r>
-              <a:rPr lang="en-US" altLang="zh-CN" dirty="0"/>
+            <a:r>
+              <a:rPr lang="en-CA" dirty="0"/>
               <a:t>108</a:t>
             </a:r>
             <a:r>
-              <a:rPr lang="en-US" altLang="zh-CN" baseline="30000" dirty="0"/>
+              <a:rPr lang="en-CA" baseline="30000" dirty="0"/>
               <a:t>th</a:t>
             </a:r>
             <a:r>
-              <a:rPr lang="en-US" altLang="zh-CN" dirty="0"/>
-              <a:t> IETF @ Madrid</a:t>
+              <a:rPr lang="en-CA" dirty="0"/>
+              <a:t> IETF Online</a:t>
             </a:r>
           </a:p>
         </p:txBody>
@@ -6418,20 +6412,17 @@
           <a:bodyPr/>
           <a:lstStyle/>
           <a:p>
-            <a:pPr>
-              <a:defRPr/>
-            </a:pPr>
-            <a:r>
-              <a:rPr lang="en-US" altLang="zh-CN" dirty="0"/>
+            <a:r>
+              <a:rPr lang="en-CA" dirty="0"/>
               <a:t>108</a:t>
             </a:r>
             <a:r>
-              <a:rPr lang="en-US" altLang="zh-CN" baseline="30000" dirty="0"/>
+              <a:rPr lang="en-CA" baseline="30000" dirty="0"/>
               <a:t>th</a:t>
             </a:r>
             <a:r>
-              <a:rPr lang="en-US" altLang="zh-CN" dirty="0"/>
-              <a:t> IETF @ Madrid</a:t>
+              <a:rPr lang="en-CA" dirty="0"/>
+              <a:t> IETF Online</a:t>
             </a:r>
           </a:p>
         </p:txBody>
@@ -6645,20 +6636,17 @@
           <a:bodyPr/>
           <a:lstStyle/>
           <a:p>
-            <a:pPr>
-              <a:defRPr/>
-            </a:pPr>
-            <a:r>
-              <a:rPr lang="en-US" altLang="zh-CN" dirty="0"/>
+            <a:r>
+              <a:rPr lang="en-CA" dirty="0"/>
               <a:t>108</a:t>
             </a:r>
             <a:r>
-              <a:rPr lang="en-US" altLang="zh-CN" baseline="30000" dirty="0"/>
+              <a:rPr lang="en-CA" baseline="30000" dirty="0"/>
               <a:t>th</a:t>
             </a:r>
             <a:r>
-              <a:rPr lang="en-US" altLang="zh-CN" dirty="0"/>
-              <a:t> IETF @ Madrid</a:t>
+              <a:rPr lang="en-CA" dirty="0"/>
+              <a:t> IETF Online</a:t>
             </a:r>
           </a:p>
         </p:txBody>
@@ -7652,20 +7640,17 @@
           <a:bodyPr/>
           <a:lstStyle/>
           <a:p>
-            <a:pPr>
-              <a:defRPr/>
-            </a:pPr>
-            <a:r>
-              <a:rPr lang="en-US" altLang="zh-CN" dirty="0"/>
+            <a:r>
+              <a:rPr lang="en-CA" dirty="0"/>
               <a:t>108</a:t>
             </a:r>
             <a:r>
-              <a:rPr lang="en-US" altLang="zh-CN" baseline="30000" dirty="0"/>
+              <a:rPr lang="en-CA" baseline="30000" dirty="0"/>
               <a:t>th</a:t>
             </a:r>
             <a:r>
-              <a:rPr lang="en-US" altLang="zh-CN" dirty="0"/>
-              <a:t> IETF @ Madrid</a:t>
+              <a:rPr lang="en-CA" dirty="0"/>
+              <a:t> IETF Online</a:t>
             </a:r>
           </a:p>
         </p:txBody>
@@ -7755,20 +7740,17 @@
           <a:bodyPr/>
           <a:lstStyle/>
           <a:p>
-            <a:pPr>
-              <a:defRPr/>
-            </a:pPr>
-            <a:r>
-              <a:rPr lang="en-US" altLang="zh-CN" dirty="0"/>
+            <a:r>
+              <a:rPr lang="en-CA" dirty="0"/>
               <a:t>108</a:t>
             </a:r>
             <a:r>
-              <a:rPr lang="en-US" altLang="zh-CN" baseline="30000" dirty="0"/>
+              <a:rPr lang="en-CA" baseline="30000" dirty="0"/>
               <a:t>th</a:t>
             </a:r>
             <a:r>
-              <a:rPr lang="en-US" altLang="zh-CN" dirty="0"/>
-              <a:t> IETF @ Madrid</a:t>
+              <a:rPr lang="en-CA" dirty="0"/>
+              <a:t> IETF Online</a:t>
             </a:r>
           </a:p>
         </p:txBody>
@@ -8205,20 +8187,17 @@
           <a:bodyPr/>
           <a:lstStyle/>
           <a:p>
-            <a:pPr>
-              <a:defRPr/>
-            </a:pPr>
-            <a:r>
-              <a:rPr lang="en-US" altLang="zh-CN" dirty="0"/>
+            <a:r>
+              <a:rPr lang="en-CA" dirty="0"/>
               <a:t>108</a:t>
             </a:r>
             <a:r>
-              <a:rPr lang="en-US" altLang="zh-CN" baseline="30000" dirty="0"/>
+              <a:rPr lang="en-CA" baseline="30000" dirty="0"/>
               <a:t>th</a:t>
             </a:r>
             <a:r>
-              <a:rPr lang="en-US" altLang="zh-CN" dirty="0"/>
-              <a:t> IETF @ Madrid</a:t>
+              <a:rPr lang="en-CA" dirty="0"/>
+              <a:t> IETF Online</a:t>
             </a:r>
           </a:p>
         </p:txBody>
@@ -8753,20 +8732,17 @@
           <a:bodyPr/>
           <a:lstStyle/>
           <a:p>
-            <a:pPr>
-              <a:defRPr/>
-            </a:pPr>
-            <a:r>
-              <a:rPr lang="en-US" altLang="zh-CN" dirty="0"/>
+            <a:r>
+              <a:rPr lang="en-CA" dirty="0"/>
               <a:t>108</a:t>
             </a:r>
             <a:r>
-              <a:rPr lang="en-US" altLang="zh-CN" baseline="30000" dirty="0"/>
+              <a:rPr lang="en-CA" baseline="30000" dirty="0"/>
               <a:t>th</a:t>
             </a:r>
             <a:r>
-              <a:rPr lang="en-US" altLang="zh-CN" dirty="0"/>
-              <a:t> IETF @ Madrid</a:t>
+              <a:rPr lang="en-CA" dirty="0"/>
+              <a:t> IETF Online</a:t>
             </a:r>
           </a:p>
         </p:txBody>
@@ -8842,7 +8818,7 @@
         </p:nvSpPr>
         <p:spPr>
           <a:xfrm>
-            <a:off x="3276600" y="4763387"/>
+            <a:off x="3200400" y="4786312"/>
             <a:ext cx="2895600" cy="357188"/>
           </a:xfrm>
         </p:spPr>
@@ -8850,20 +8826,17 @@
           <a:bodyPr/>
           <a:lstStyle/>
           <a:p>
-            <a:pPr>
-              <a:defRPr/>
-            </a:pPr>
-            <a:r>
-              <a:rPr lang="en-US" altLang="zh-CN" dirty="0"/>
+            <a:r>
+              <a:rPr lang="en-CA" dirty="0"/>
               <a:t>108</a:t>
             </a:r>
             <a:r>
-              <a:rPr lang="en-US" altLang="zh-CN" baseline="30000" dirty="0"/>
+              <a:rPr lang="en-CA" baseline="30000" dirty="0"/>
               <a:t>th</a:t>
             </a:r>
             <a:r>
-              <a:rPr lang="en-US" altLang="zh-CN" dirty="0"/>
-              <a:t> IETF @ Madrid</a:t>
+              <a:rPr lang="en-CA" dirty="0"/>
+              <a:t> IETF Online</a:t>
             </a:r>
           </a:p>
         </p:txBody>
@@ -9220,20 +9193,17 @@
           <a:bodyPr/>
           <a:lstStyle/>
           <a:p>
-            <a:pPr>
-              <a:defRPr/>
-            </a:pPr>
-            <a:r>
-              <a:rPr lang="en-US" altLang="zh-CN" dirty="0"/>
+            <a:r>
+              <a:rPr lang="en-CA" dirty="0"/>
               <a:t>108</a:t>
             </a:r>
             <a:r>
-              <a:rPr lang="en-US" altLang="zh-CN" baseline="30000" dirty="0"/>
+              <a:rPr lang="en-CA" baseline="30000" dirty="0"/>
               <a:t>th</a:t>
             </a:r>
             <a:r>
-              <a:rPr lang="en-US" altLang="zh-CN" dirty="0"/>
-              <a:t> IETF @ Madrid</a:t>
+              <a:rPr lang="en-CA" dirty="0"/>
+              <a:t> IETF Online</a:t>
             </a:r>
           </a:p>
         </p:txBody>
@@ -9459,20 +9429,17 @@
           <a:bodyPr/>
           <a:lstStyle/>
           <a:p>
-            <a:pPr>
-              <a:defRPr/>
-            </a:pPr>
-            <a:r>
-              <a:rPr lang="en-US" altLang="zh-CN" dirty="0"/>
+            <a:r>
+              <a:rPr lang="en-CA" dirty="0"/>
               <a:t>108</a:t>
             </a:r>
             <a:r>
-              <a:rPr lang="en-US" altLang="zh-CN" baseline="30000" dirty="0"/>
+              <a:rPr lang="en-CA" baseline="30000" dirty="0"/>
               <a:t>th</a:t>
             </a:r>
             <a:r>
-              <a:rPr lang="en-US" altLang="zh-CN" dirty="0"/>
-              <a:t> IETF @ Madrid</a:t>
+              <a:rPr lang="en-CA" dirty="0"/>
+              <a:t> IETF Online</a:t>
             </a:r>
           </a:p>
         </p:txBody>
@@ -9782,20 +9749,17 @@
           <a:bodyPr/>
           <a:lstStyle/>
           <a:p>
-            <a:pPr>
-              <a:defRPr/>
-            </a:pPr>
-            <a:r>
-              <a:rPr lang="en-US" altLang="zh-CN" dirty="0"/>
+            <a:r>
+              <a:rPr lang="en-CA" dirty="0"/>
               <a:t>108</a:t>
             </a:r>
             <a:r>
-              <a:rPr lang="en-US" altLang="zh-CN" baseline="30000" dirty="0"/>
+              <a:rPr lang="en-CA" baseline="30000" dirty="0"/>
               <a:t>th</a:t>
             </a:r>
             <a:r>
-              <a:rPr lang="en-US" altLang="zh-CN" dirty="0"/>
-              <a:t> IETF @ Madrid</a:t>
+              <a:rPr lang="en-CA" dirty="0"/>
+              <a:t> IETF Online</a:t>
             </a:r>
           </a:p>
         </p:txBody>
@@ -10075,20 +10039,17 @@
           <a:bodyPr/>
           <a:lstStyle/>
           <a:p>
-            <a:pPr>
-              <a:defRPr/>
-            </a:pPr>
-            <a:r>
-              <a:rPr lang="en-US" altLang="zh-CN" dirty="0"/>
+            <a:r>
+              <a:rPr lang="en-CA" dirty="0"/>
               <a:t>108</a:t>
             </a:r>
             <a:r>
-              <a:rPr lang="en-US" altLang="zh-CN" baseline="30000" dirty="0"/>
+              <a:rPr lang="en-CA" baseline="30000" dirty="0"/>
               <a:t>th</a:t>
             </a:r>
             <a:r>
-              <a:rPr lang="en-US" altLang="zh-CN" dirty="0"/>
-              <a:t> IETF @ Madrid</a:t>
+              <a:rPr lang="en-CA" dirty="0"/>
+              <a:t> IETF Online</a:t>
             </a:r>
           </a:p>
         </p:txBody>
@@ -10263,20 +10224,17 @@
           <a:bodyPr/>
           <a:lstStyle/>
           <a:p>
-            <a:pPr>
-              <a:defRPr/>
-            </a:pPr>
-            <a:r>
-              <a:rPr lang="en-US" altLang="zh-CN" dirty="0"/>
+            <a:r>
+              <a:rPr lang="en-CA" dirty="0"/>
               <a:t>108</a:t>
             </a:r>
             <a:r>
-              <a:rPr lang="en-US" altLang="zh-CN" baseline="30000" dirty="0"/>
+              <a:rPr lang="en-CA" baseline="30000" dirty="0"/>
               <a:t>th</a:t>
             </a:r>
             <a:r>
-              <a:rPr lang="en-US" altLang="zh-CN" dirty="0"/>
-              <a:t> IETF @ Madrid</a:t>
+              <a:rPr lang="en-CA" dirty="0"/>
+              <a:t> IETF Online</a:t>
             </a:r>
           </a:p>
         </p:txBody>
@@ -10352,7 +10310,7 @@
         </p:nvSpPr>
         <p:spPr>
           <a:xfrm>
-            <a:off x="3276600" y="4763387"/>
+            <a:off x="3200400" y="4786312"/>
             <a:ext cx="2895600" cy="357188"/>
           </a:xfrm>
         </p:spPr>
@@ -10360,20 +10318,17 @@
           <a:bodyPr/>
           <a:lstStyle/>
           <a:p>
-            <a:pPr>
-              <a:defRPr/>
-            </a:pPr>
-            <a:r>
-              <a:rPr lang="en-US" altLang="zh-CN" dirty="0"/>
+            <a:r>
+              <a:rPr lang="en-CA" dirty="0"/>
               <a:t>108</a:t>
             </a:r>
             <a:r>
-              <a:rPr lang="en-US" altLang="zh-CN" baseline="30000" dirty="0"/>
+              <a:rPr lang="en-CA" baseline="30000" dirty="0"/>
               <a:t>th</a:t>
             </a:r>
             <a:r>
-              <a:rPr lang="en-US" altLang="zh-CN" dirty="0"/>
-              <a:t> IETF @ Madrid</a:t>
+              <a:rPr lang="en-CA" dirty="0"/>
+              <a:t> IETF Online</a:t>
             </a:r>
           </a:p>
         </p:txBody>
@@ -10679,20 +10634,17 @@
           <a:bodyPr/>
           <a:lstStyle/>
           <a:p>
-            <a:pPr>
-              <a:defRPr/>
-            </a:pPr>
-            <a:r>
-              <a:rPr lang="en-US" altLang="zh-CN" dirty="0"/>
+            <a:r>
+              <a:rPr lang="en-CA" dirty="0"/>
               <a:t>108</a:t>
             </a:r>
             <a:r>
-              <a:rPr lang="en-US" altLang="zh-CN" baseline="30000" dirty="0"/>
+              <a:rPr lang="en-CA" baseline="30000" dirty="0"/>
               <a:t>th</a:t>
             </a:r>
             <a:r>
-              <a:rPr lang="en-US" altLang="zh-CN" dirty="0"/>
-              <a:t> IETF @ Madrid</a:t>
+              <a:rPr lang="en-CA" dirty="0"/>
+              <a:t> IETF Online</a:t>
             </a:r>
           </a:p>
         </p:txBody>
@@ -11033,20 +10985,17 @@
           <a:bodyPr/>
           <a:lstStyle/>
           <a:p>
-            <a:pPr>
-              <a:defRPr/>
-            </a:pPr>
-            <a:r>
-              <a:rPr lang="en-US" altLang="zh-CN" dirty="0"/>
+            <a:r>
+              <a:rPr lang="en-CA" dirty="0"/>
               <a:t>108</a:t>
             </a:r>
             <a:r>
-              <a:rPr lang="en-US" altLang="zh-CN" baseline="30000" dirty="0"/>
+              <a:rPr lang="en-CA" baseline="30000" dirty="0"/>
               <a:t>th</a:t>
             </a:r>
             <a:r>
-              <a:rPr lang="en-US" altLang="zh-CN" dirty="0"/>
-              <a:t> IETF @ Madrid</a:t>
+              <a:rPr lang="en-CA" dirty="0"/>
+              <a:t> IETF Online</a:t>
             </a:r>
           </a:p>
         </p:txBody>

--- a/draft-gandhi-mpls-rfc6374-sr-05.pptx
+++ b/draft-gandhi-mpls-rfc6374-sr-05.pptx
@@ -7987,8 +7987,8 @@
         </p:nvSpPr>
         <p:spPr>
           <a:xfrm>
-            <a:off x="609600" y="2803062"/>
-            <a:ext cx="8229600" cy="1815882"/>
+            <a:off x="609600" y="2643247"/>
+            <a:ext cx="8229600" cy="2062103"/>
           </a:xfrm>
           <a:prstGeom prst="rect">
             <a:avLst/>
@@ -8010,7 +8010,9 @@
             <a:r>
               <a:rPr lang="en-US" sz="1600" dirty="0">
                 <a:solidFill>
-                  <a:schemeClr val="tx2"/>
+                  <a:schemeClr val="tx2">
+                    <a:lumMod val="75000"/>
+                  </a:schemeClr>
                 </a:solidFill>
                 <a:latin typeface="Calibri" panose="020F0502020204030204" pitchFamily="34" charset="0"/>
                 <a:cs typeface="Calibri" panose="020F0502020204030204" pitchFamily="34" charset="0"/>
@@ -8026,7 +8028,9 @@
             <a:r>
               <a:rPr lang="en-US" sz="1600" b="1" dirty="0">
                 <a:solidFill>
-                  <a:schemeClr val="tx2"/>
+                  <a:schemeClr val="tx2">
+                    <a:lumMod val="75000"/>
+                  </a:schemeClr>
                 </a:solidFill>
                 <a:latin typeface="Calibri" panose="020F0502020204030204" pitchFamily="34" charset="0"/>
                 <a:cs typeface="Calibri" panose="020F0502020204030204" pitchFamily="34" charset="0"/>
@@ -8036,7 +8040,9 @@
             <a:r>
               <a:rPr lang="en-US" sz="1600" dirty="0">
                 <a:solidFill>
-                  <a:schemeClr val="tx2"/>
+                  <a:schemeClr val="tx2">
+                    <a:lumMod val="75000"/>
+                  </a:schemeClr>
                 </a:solidFill>
                 <a:latin typeface="Calibri" panose="020F0502020204030204" pitchFamily="34" charset="0"/>
                 <a:cs typeface="Calibri" panose="020F0502020204030204" pitchFamily="34" charset="0"/>
@@ -8052,7 +8058,9 @@
             <a:r>
               <a:rPr lang="en-US" sz="1600" b="1" dirty="0">
                 <a:solidFill>
-                  <a:schemeClr val="tx2"/>
+                  <a:schemeClr val="tx2">
+                    <a:lumMod val="75000"/>
+                  </a:schemeClr>
                 </a:solidFill>
                 <a:latin typeface="Calibri" panose="020F0502020204030204" pitchFamily="34" charset="0"/>
                 <a:cs typeface="Calibri" panose="020F0502020204030204" pitchFamily="34" charset="0"/>
@@ -8062,13 +8070,34 @@
             <a:r>
               <a:rPr lang="en-US" sz="1600" dirty="0">
                 <a:solidFill>
-                  <a:schemeClr val="tx2"/>
+                  <a:schemeClr val="tx2">
+                    <a:lumMod val="75000"/>
+                  </a:schemeClr>
                 </a:solidFill>
                 <a:latin typeface="Calibri" panose="020F0502020204030204" pitchFamily="34" charset="0"/>
                 <a:cs typeface="Calibri" panose="020F0502020204030204" pitchFamily="34" charset="0"/>
               </a:rPr>
-              <a:t> PM data collected in data plane</a:t>
-            </a:r>
+              <a:t> PM data collected in data plane, </a:t>
+            </a:r>
+            <a:r>
+              <a:rPr lang="en-CA" sz="1600" dirty="0">
+                <a:solidFill>
+                  <a:schemeClr val="tx2">
+                    <a:lumMod val="75000"/>
+                  </a:schemeClr>
+                </a:solidFill>
+              </a:rPr>
+              <a:t>e.g. compute measurement metrics for each block</a:t>
+            </a:r>
+            <a:endParaRPr lang="en-US" sz="1600" dirty="0">
+              <a:solidFill>
+                <a:schemeClr val="tx2">
+                  <a:lumMod val="75000"/>
+                </a:schemeClr>
+              </a:solidFill>
+              <a:latin typeface="Calibri" panose="020F0502020204030204" pitchFamily="34" charset="0"/>
+              <a:cs typeface="Calibri" panose="020F0502020204030204" pitchFamily="34" charset="0"/>
+            </a:endParaRPr>
           </a:p>
           <a:p>
             <a:pPr marL="285750" indent="-285750">
@@ -8078,7 +8107,9 @@
             <a:r>
               <a:rPr lang="en-US" sz="1600" dirty="0">
                 <a:solidFill>
-                  <a:schemeClr val="tx2"/>
+                  <a:schemeClr val="tx2">
+                    <a:lumMod val="75000"/>
+                  </a:schemeClr>
                 </a:solidFill>
                 <a:latin typeface="Calibri" panose="020F0502020204030204" pitchFamily="34" charset="0"/>
                 <a:cs typeface="Calibri" panose="020F0502020204030204" pitchFamily="34" charset="0"/>
@@ -8094,7 +8125,9 @@
             <a:r>
               <a:rPr lang="en-US" sz="1600" dirty="0">
                 <a:solidFill>
-                  <a:schemeClr val="tx2"/>
+                  <a:schemeClr val="tx2">
+                    <a:lumMod val="75000"/>
+                  </a:schemeClr>
                 </a:solidFill>
                 <a:latin typeface="Calibri" panose="020F0502020204030204" pitchFamily="34" charset="0"/>
                 <a:cs typeface="Calibri" panose="020F0502020204030204" pitchFamily="34" charset="0"/>
@@ -8110,7 +8143,9 @@
             <a:r>
               <a:rPr lang="en-US" sz="1600" dirty="0">
                 <a:solidFill>
-                  <a:schemeClr val="tx2"/>
+                  <a:schemeClr val="tx2">
+                    <a:lumMod val="75000"/>
+                  </a:schemeClr>
                 </a:solidFill>
                 <a:latin typeface="Calibri" panose="020F0502020204030204" pitchFamily="34" charset="0"/>
                 <a:cs typeface="Calibri" panose="020F0502020204030204" pitchFamily="34" charset="0"/>
@@ -8120,7 +8155,9 @@
             <a:r>
               <a:rPr lang="en-CA" sz="1600" dirty="0">
                 <a:solidFill>
-                  <a:schemeClr val="tx2"/>
+                  <a:schemeClr val="tx2">
+                    <a:lumMod val="75000"/>
+                  </a:schemeClr>
                 </a:solidFill>
                 <a:latin typeface="Calibri" panose="020F0502020204030204" pitchFamily="34" charset="0"/>
                 <a:cs typeface="Calibri" panose="020F0502020204030204" pitchFamily="34" charset="0"/>
@@ -8129,7 +8166,9 @@
             </a:r>
             <a:endParaRPr lang="en-US" sz="1600" dirty="0">
               <a:solidFill>
-                <a:schemeClr val="tx2"/>
+                <a:schemeClr val="tx2">
+                  <a:lumMod val="75000"/>
+                </a:schemeClr>
               </a:solidFill>
               <a:latin typeface="Calibri" panose="020F0502020204030204" pitchFamily="34" charset="0"/>
               <a:cs typeface="Calibri" panose="020F0502020204030204" pitchFamily="34" charset="0"/>
@@ -9324,7 +9363,7 @@
               <a:buNone/>
             </a:pPr>
             <a:r>
-              <a:rPr lang="en-US" sz="1800" dirty="0"/>
+              <a:rPr lang="en-US" sz="1400" dirty="0"/>
               <a:t>Requirements:</a:t>
             </a:r>
           </a:p>
@@ -9334,7 +9373,7 @@
               <a:buChar char="§"/>
             </a:pPr>
             <a:r>
-              <a:rPr lang="en-US" sz="1800" dirty="0"/>
+              <a:rPr lang="en-US" sz="1400" dirty="0"/>
               <a:t>Delay and Loss Performance Measurement (PM)</a:t>
             </a:r>
           </a:p>
@@ -9344,8 +9383,18 @@
               <a:buChar char="§"/>
             </a:pPr>
             <a:r>
-              <a:rPr lang="en-US" sz="1800" dirty="0"/>
-              <a:t>SR-MPLS Links and end-to-end P2P/ P2MP SR-MPLS Paths</a:t>
+              <a:rPr lang="en-US" sz="1400" dirty="0"/>
+              <a:t>SR-MPLS Links (Physical, Virtual, LAG, LAG members)</a:t>
+            </a:r>
+          </a:p>
+          <a:p>
+            <a:pPr lvl="2">
+              <a:buFont typeface="Wingdings" charset="2"/>
+              <a:buChar char="§"/>
+            </a:pPr>
+            <a:r>
+              <a:rPr lang="en-US" sz="1400" dirty="0"/>
+              <a:t>End-to-end P2P/ P2MP SR-MPLS Paths</a:t>
             </a:r>
           </a:p>
           <a:p>
@@ -9354,7 +9403,7 @@
               <a:buChar char="§"/>
             </a:pPr>
             <a:r>
-              <a:rPr lang="en-US" sz="1800" dirty="0"/>
+              <a:rPr lang="en-US" sz="1400" dirty="0"/>
               <a:t>Delay and Loss extended TE link metrics advertisement in the network</a:t>
             </a:r>
           </a:p>
@@ -9364,8 +9413,28 @@
               <a:buChar char="§"/>
             </a:pPr>
             <a:r>
-              <a:rPr lang="en-US" sz="1800" dirty="0"/>
+              <a:rPr lang="en-US" sz="1400" dirty="0"/>
               <a:t>One-way, two-way and loopback measurement modes</a:t>
+            </a:r>
+          </a:p>
+          <a:p>
+            <a:pPr lvl="1">
+              <a:buFont typeface="Wingdings" charset="2"/>
+              <a:buChar char="§"/>
+            </a:pPr>
+            <a:r>
+              <a:rPr lang="en-US" sz="1400" dirty="0"/>
+              <a:t>Segment Routing with MPLS data plane (SR-MPLS)</a:t>
+            </a:r>
+          </a:p>
+          <a:p>
+            <a:pPr marL="1143000" lvl="3">
+              <a:buFont typeface="Wingdings" charset="2"/>
+              <a:buChar char="§"/>
+            </a:pPr>
+            <a:r>
+              <a:rPr lang="en-US" sz="1400" dirty="0"/>
+              <a:t>Stateless on responder node, state is in the probe message - spirit of SR</a:t>
             </a:r>
           </a:p>
           <a:p>
@@ -9373,7 +9442,7 @@
               <a:buNone/>
             </a:pPr>
             <a:r>
-              <a:rPr lang="en-US" sz="1800" dirty="0"/>
+              <a:rPr lang="en-US" sz="1400" dirty="0"/>
               <a:t>Scope:</a:t>
             </a:r>
           </a:p>
@@ -9383,8 +9452,8 @@
               <a:buChar char="§"/>
             </a:pPr>
             <a:r>
-              <a:rPr lang="en-US" sz="1800" dirty="0"/>
-              <a:t>Segment Routing with MPLS data plane (SR-MPLS)</a:t>
+              <a:rPr lang="en-US" sz="1400" dirty="0"/>
+              <a:t>RFC 6374 for probe query and response messages</a:t>
             </a:r>
           </a:p>
           <a:p>
@@ -9393,17 +9462,7 @@
               <a:buChar char="§"/>
             </a:pPr>
             <a:r>
-              <a:rPr lang="en-US" sz="1800" dirty="0"/>
-              <a:t>RFC 6374 for probe query and response messages</a:t>
-            </a:r>
-          </a:p>
-          <a:p>
-            <a:pPr marL="685800" lvl="2">
-              <a:buFont typeface="Wingdings" charset="2"/>
-              <a:buChar char="§"/>
-            </a:pPr>
-            <a:r>
-              <a:rPr lang="en-US" sz="1800" dirty="0"/>
+              <a:rPr lang="en-US" sz="1400" dirty="0"/>
               <a:t>RFC 7876 (UDP return path) for probe response messages</a:t>
             </a:r>
           </a:p>
